--- a/slides/Online/2020/07b - dataTypes.pptx
+++ b/slides/Online/2020/07b - dataTypes.pptx
@@ -218,7 +218,7 @@
           <a:p>
             <a:fld id="{4D7E51A5-B478-1E40-8CBB-0DAA8831E99D}" type="datetimeFigureOut">
               <a:rPr lang="en-US" smtClean="0"/>
-              <a:t>3/15/20</a:t>
+              <a:t>4/7/20</a:t>
             </a:fld>
             <a:endParaRPr lang="en-US"/>
           </a:p>
@@ -383,7 +383,7 @@
           <a:p>
             <a:fld id="{D0ED587F-861E-6740-9643-E3DDAE89B8D6}" type="datetimeFigureOut">
               <a:rPr lang="en-US" smtClean="0"/>
-              <a:t>3/15/20</a:t>
+              <a:t>4/7/20</a:t>
             </a:fld>
             <a:endParaRPr lang="en-US"/>
           </a:p>
@@ -4276,8 +4276,8 @@
         </p:blipFill>
         <p:spPr>
           <a:xfrm>
-            <a:off x="9827882" y="6733969"/>
-            <a:ext cx="3520440" cy="787424"/>
+            <a:off x="10549054" y="6747390"/>
+            <a:ext cx="3023222" cy="676210"/>
           </a:xfrm>
           <a:prstGeom prst="rect">
             <a:avLst/>
@@ -4298,7 +4298,7 @@
         </p:nvSpPr>
         <p:spPr>
           <a:xfrm>
-            <a:off x="10549054" y="7264322"/>
+            <a:off x="11074403" y="7213234"/>
             <a:ext cx="2497873" cy="276999"/>
           </a:xfrm>
           <a:prstGeom prst="rect">
@@ -4337,8 +4337,8 @@
         </p:nvSpPr>
         <p:spPr>
           <a:xfrm>
-            <a:off x="9287446" y="7508206"/>
-            <a:ext cx="4601311" cy="246221"/>
+            <a:off x="9897046" y="7483509"/>
+            <a:ext cx="4601311" cy="215444"/>
           </a:xfrm>
           <a:prstGeom prst="rect">
             <a:avLst/>
@@ -4359,7 +4359,7 @@
               </a:spcAft>
             </a:pPr>
             <a:r>
-              <a:rPr lang="en-US" sz="1000" b="0" i="0" u="none" strike="noStrike" dirty="0">
+              <a:rPr lang="en-US" sz="800" b="0" i="0" u="none" strike="noStrike" dirty="0">
                 <a:solidFill>
                   <a:srgbClr val="7F7F7F"/>
                 </a:solidFill>
@@ -4369,7 +4369,7 @@
               <a:t>Slides Originally Created by Albert Lionelle (</a:t>
             </a:r>
             <a:r>
-              <a:rPr lang="en-US" sz="1000" b="0" i="0" u="none" strike="noStrike" dirty="0" err="1">
+              <a:rPr lang="en-US" sz="800" b="0" i="0" u="none" strike="noStrike" dirty="0" err="1">
                 <a:solidFill>
                   <a:srgbClr val="7F7F7F"/>
                 </a:solidFill>
@@ -4379,7 +4379,7 @@
               <a:t>Albert.Lionelle@colostate.edu</a:t>
             </a:r>
             <a:r>
-              <a:rPr lang="en-US" sz="1000" b="0" i="0" u="none" strike="noStrike" dirty="0">
+              <a:rPr lang="en-US" sz="800" b="0" i="0" u="none" strike="noStrike" dirty="0">
                 <a:solidFill>
                   <a:srgbClr val="7F7F7F"/>
                 </a:solidFill>
@@ -4388,7 +4388,7 @@
               </a:rPr>
               <a:t>)</a:t>
             </a:r>
-            <a:endParaRPr lang="en-US" sz="1000" b="0" dirty="0">
+            <a:endParaRPr lang="en-US" sz="800" b="0" dirty="0">
               <a:solidFill>
                 <a:srgbClr val="7F7F7F"/>
               </a:solidFill>
@@ -6652,7 +6652,7 @@
           <a:p>
             <a:r>
               <a:rPr lang="en-US" dirty="0"/>
-              <a:t>Data Types</a:t>
+              <a:t>Numeric Data Types</a:t>
             </a:r>
           </a:p>
         </p:txBody>
@@ -11022,8 +11022,8 @@
         </p:blipFill>
         <p:spPr bwMode="auto">
           <a:xfrm>
-            <a:off x="10197379" y="4817452"/>
-            <a:ext cx="3518621" cy="2073227"/>
+            <a:off x="9605818" y="0"/>
+            <a:ext cx="3048000" cy="1795930"/>
           </a:xfrm>
           <a:prstGeom prst="rect">
             <a:avLst/>
@@ -11054,8 +11054,8 @@
         </p:nvSpPr>
         <p:spPr>
           <a:xfrm>
-            <a:off x="10197378" y="6890679"/>
-            <a:ext cx="3518621" cy="338554"/>
+            <a:off x="9766456" y="1808645"/>
+            <a:ext cx="3048000" cy="276999"/>
           </a:xfrm>
           <a:prstGeom prst="rect">
             <a:avLst/>
@@ -11069,7 +11069,7 @@
           <a:lstStyle/>
           <a:p>
             <a:r>
-              <a:rPr lang="en-US" sz="1600" dirty="0">
+              <a:rPr lang="en-US" sz="1200" dirty="0">
                 <a:latin typeface="Microsoft Sans Serif" panose="020B0604020202020204" pitchFamily="34" charset="0"/>
                 <a:cs typeface="Microsoft Sans Serif" panose="020B0604020202020204" pitchFamily="34" charset="0"/>
               </a:rPr>
@@ -11100,6 +11100,649 @@
       </p:transition>
     </mc:Fallback>
   </mc:AlternateContent>
+  <p:timing>
+    <p:tnLst>
+      <p:par>
+        <p:cTn id="1" dur="indefinite" restart="never" nodeType="tmRoot">
+          <p:childTnLst>
+            <p:seq concurrent="1" nextAc="seek">
+              <p:cTn id="2" dur="indefinite" nodeType="mainSeq">
+                <p:childTnLst>
+                  <p:par>
+                    <p:cTn id="3" fill="hold">
+                      <p:stCondLst>
+                        <p:cond delay="indefinite"/>
+                      </p:stCondLst>
+                      <p:childTnLst>
+                        <p:par>
+                          <p:cTn id="4" fill="hold">
+                            <p:stCondLst>
+                              <p:cond delay="0"/>
+                            </p:stCondLst>
+                            <p:childTnLst>
+                              <p:par>
+                                <p:cTn id="5" presetID="9" presetClass="entr" presetSubtype="0" fill="hold" grpId="0" nodeType="clickEffect">
+                                  <p:stCondLst>
+                                    <p:cond delay="0"/>
+                                  </p:stCondLst>
+                                  <p:childTnLst>
+                                    <p:set>
+                                      <p:cBhvr>
+                                        <p:cTn id="6" dur="1" fill="hold">
+                                          <p:stCondLst>
+                                            <p:cond delay="0"/>
+                                          </p:stCondLst>
+                                        </p:cTn>
+                                        <p:tgtEl>
+                                          <p:spTgt spid="3">
+                                            <p:txEl>
+                                              <p:pRg st="0" end="0"/>
+                                            </p:txEl>
+                                          </p:spTgt>
+                                        </p:tgtEl>
+                                        <p:attrNameLst>
+                                          <p:attrName>style.visibility</p:attrName>
+                                        </p:attrNameLst>
+                                      </p:cBhvr>
+                                      <p:to>
+                                        <p:strVal val="visible"/>
+                                      </p:to>
+                                    </p:set>
+                                    <p:animEffect transition="in" filter="dissolve">
+                                      <p:cBhvr>
+                                        <p:cTn id="7" dur="500"/>
+                                        <p:tgtEl>
+                                          <p:spTgt spid="3">
+                                            <p:txEl>
+                                              <p:pRg st="0" end="0"/>
+                                            </p:txEl>
+                                          </p:spTgt>
+                                        </p:tgtEl>
+                                      </p:cBhvr>
+                                    </p:animEffect>
+                                  </p:childTnLst>
+                                </p:cTn>
+                              </p:par>
+                            </p:childTnLst>
+                          </p:cTn>
+                        </p:par>
+                      </p:childTnLst>
+                    </p:cTn>
+                  </p:par>
+                  <p:par>
+                    <p:cTn id="8" fill="hold">
+                      <p:stCondLst>
+                        <p:cond delay="indefinite"/>
+                      </p:stCondLst>
+                      <p:childTnLst>
+                        <p:par>
+                          <p:cTn id="9" fill="hold">
+                            <p:stCondLst>
+                              <p:cond delay="0"/>
+                            </p:stCondLst>
+                            <p:childTnLst>
+                              <p:par>
+                                <p:cTn id="10" presetID="9" presetClass="entr" presetSubtype="0" fill="hold" grpId="0" nodeType="clickEffect">
+                                  <p:stCondLst>
+                                    <p:cond delay="0"/>
+                                  </p:stCondLst>
+                                  <p:childTnLst>
+                                    <p:set>
+                                      <p:cBhvr>
+                                        <p:cTn id="11" dur="1" fill="hold">
+                                          <p:stCondLst>
+                                            <p:cond delay="0"/>
+                                          </p:stCondLst>
+                                        </p:cTn>
+                                        <p:tgtEl>
+                                          <p:spTgt spid="3">
+                                            <p:txEl>
+                                              <p:pRg st="1" end="1"/>
+                                            </p:txEl>
+                                          </p:spTgt>
+                                        </p:tgtEl>
+                                        <p:attrNameLst>
+                                          <p:attrName>style.visibility</p:attrName>
+                                        </p:attrNameLst>
+                                      </p:cBhvr>
+                                      <p:to>
+                                        <p:strVal val="visible"/>
+                                      </p:to>
+                                    </p:set>
+                                    <p:animEffect transition="in" filter="dissolve">
+                                      <p:cBhvr>
+                                        <p:cTn id="12" dur="500"/>
+                                        <p:tgtEl>
+                                          <p:spTgt spid="3">
+                                            <p:txEl>
+                                              <p:pRg st="1" end="1"/>
+                                            </p:txEl>
+                                          </p:spTgt>
+                                        </p:tgtEl>
+                                      </p:cBhvr>
+                                    </p:animEffect>
+                                  </p:childTnLst>
+                                </p:cTn>
+                              </p:par>
+                            </p:childTnLst>
+                          </p:cTn>
+                        </p:par>
+                      </p:childTnLst>
+                    </p:cTn>
+                  </p:par>
+                  <p:par>
+                    <p:cTn id="13" fill="hold">
+                      <p:stCondLst>
+                        <p:cond delay="indefinite"/>
+                      </p:stCondLst>
+                      <p:childTnLst>
+                        <p:par>
+                          <p:cTn id="14" fill="hold">
+                            <p:stCondLst>
+                              <p:cond delay="0"/>
+                            </p:stCondLst>
+                            <p:childTnLst>
+                              <p:par>
+                                <p:cTn id="15" presetID="9" presetClass="entr" presetSubtype="0" fill="hold" grpId="0" nodeType="clickEffect">
+                                  <p:stCondLst>
+                                    <p:cond delay="0"/>
+                                  </p:stCondLst>
+                                  <p:childTnLst>
+                                    <p:set>
+                                      <p:cBhvr>
+                                        <p:cTn id="16" dur="1" fill="hold">
+                                          <p:stCondLst>
+                                            <p:cond delay="0"/>
+                                          </p:stCondLst>
+                                        </p:cTn>
+                                        <p:tgtEl>
+                                          <p:spTgt spid="3">
+                                            <p:txEl>
+                                              <p:pRg st="2" end="2"/>
+                                            </p:txEl>
+                                          </p:spTgt>
+                                        </p:tgtEl>
+                                        <p:attrNameLst>
+                                          <p:attrName>style.visibility</p:attrName>
+                                        </p:attrNameLst>
+                                      </p:cBhvr>
+                                      <p:to>
+                                        <p:strVal val="visible"/>
+                                      </p:to>
+                                    </p:set>
+                                    <p:animEffect transition="in" filter="dissolve">
+                                      <p:cBhvr>
+                                        <p:cTn id="17" dur="500"/>
+                                        <p:tgtEl>
+                                          <p:spTgt spid="3">
+                                            <p:txEl>
+                                              <p:pRg st="2" end="2"/>
+                                            </p:txEl>
+                                          </p:spTgt>
+                                        </p:tgtEl>
+                                      </p:cBhvr>
+                                    </p:animEffect>
+                                  </p:childTnLst>
+                                </p:cTn>
+                              </p:par>
+                            </p:childTnLst>
+                          </p:cTn>
+                        </p:par>
+                      </p:childTnLst>
+                    </p:cTn>
+                  </p:par>
+                  <p:par>
+                    <p:cTn id="18" fill="hold">
+                      <p:stCondLst>
+                        <p:cond delay="indefinite"/>
+                      </p:stCondLst>
+                      <p:childTnLst>
+                        <p:par>
+                          <p:cTn id="19" fill="hold">
+                            <p:stCondLst>
+                              <p:cond delay="0"/>
+                            </p:stCondLst>
+                            <p:childTnLst>
+                              <p:par>
+                                <p:cTn id="20" presetID="9" presetClass="entr" presetSubtype="0" fill="hold" grpId="0" nodeType="clickEffect">
+                                  <p:stCondLst>
+                                    <p:cond delay="0"/>
+                                  </p:stCondLst>
+                                  <p:childTnLst>
+                                    <p:set>
+                                      <p:cBhvr>
+                                        <p:cTn id="21" dur="1" fill="hold">
+                                          <p:stCondLst>
+                                            <p:cond delay="0"/>
+                                          </p:stCondLst>
+                                        </p:cTn>
+                                        <p:tgtEl>
+                                          <p:spTgt spid="3">
+                                            <p:txEl>
+                                              <p:pRg st="3" end="3"/>
+                                            </p:txEl>
+                                          </p:spTgt>
+                                        </p:tgtEl>
+                                        <p:attrNameLst>
+                                          <p:attrName>style.visibility</p:attrName>
+                                        </p:attrNameLst>
+                                      </p:cBhvr>
+                                      <p:to>
+                                        <p:strVal val="visible"/>
+                                      </p:to>
+                                    </p:set>
+                                    <p:animEffect transition="in" filter="dissolve">
+                                      <p:cBhvr>
+                                        <p:cTn id="22" dur="500"/>
+                                        <p:tgtEl>
+                                          <p:spTgt spid="3">
+                                            <p:txEl>
+                                              <p:pRg st="3" end="3"/>
+                                            </p:txEl>
+                                          </p:spTgt>
+                                        </p:tgtEl>
+                                      </p:cBhvr>
+                                    </p:animEffect>
+                                  </p:childTnLst>
+                                </p:cTn>
+                              </p:par>
+                            </p:childTnLst>
+                          </p:cTn>
+                        </p:par>
+                      </p:childTnLst>
+                    </p:cTn>
+                  </p:par>
+                  <p:par>
+                    <p:cTn id="23" fill="hold">
+                      <p:stCondLst>
+                        <p:cond delay="indefinite"/>
+                      </p:stCondLst>
+                      <p:childTnLst>
+                        <p:par>
+                          <p:cTn id="24" fill="hold">
+                            <p:stCondLst>
+                              <p:cond delay="0"/>
+                            </p:stCondLst>
+                            <p:childTnLst>
+                              <p:par>
+                                <p:cTn id="25" presetID="9" presetClass="entr" presetSubtype="0" fill="hold" grpId="0" nodeType="clickEffect">
+                                  <p:stCondLst>
+                                    <p:cond delay="0"/>
+                                  </p:stCondLst>
+                                  <p:childTnLst>
+                                    <p:set>
+                                      <p:cBhvr>
+                                        <p:cTn id="26" dur="1" fill="hold">
+                                          <p:stCondLst>
+                                            <p:cond delay="0"/>
+                                          </p:stCondLst>
+                                        </p:cTn>
+                                        <p:tgtEl>
+                                          <p:spTgt spid="3">
+                                            <p:txEl>
+                                              <p:pRg st="4" end="4"/>
+                                            </p:txEl>
+                                          </p:spTgt>
+                                        </p:tgtEl>
+                                        <p:attrNameLst>
+                                          <p:attrName>style.visibility</p:attrName>
+                                        </p:attrNameLst>
+                                      </p:cBhvr>
+                                      <p:to>
+                                        <p:strVal val="visible"/>
+                                      </p:to>
+                                    </p:set>
+                                    <p:animEffect transition="in" filter="dissolve">
+                                      <p:cBhvr>
+                                        <p:cTn id="27" dur="500"/>
+                                        <p:tgtEl>
+                                          <p:spTgt spid="3">
+                                            <p:txEl>
+                                              <p:pRg st="4" end="4"/>
+                                            </p:txEl>
+                                          </p:spTgt>
+                                        </p:tgtEl>
+                                      </p:cBhvr>
+                                    </p:animEffect>
+                                  </p:childTnLst>
+                                </p:cTn>
+                              </p:par>
+                            </p:childTnLst>
+                          </p:cTn>
+                        </p:par>
+                      </p:childTnLst>
+                    </p:cTn>
+                  </p:par>
+                  <p:par>
+                    <p:cTn id="28" fill="hold">
+                      <p:stCondLst>
+                        <p:cond delay="indefinite"/>
+                      </p:stCondLst>
+                      <p:childTnLst>
+                        <p:par>
+                          <p:cTn id="29" fill="hold">
+                            <p:stCondLst>
+                              <p:cond delay="0"/>
+                            </p:stCondLst>
+                            <p:childTnLst>
+                              <p:par>
+                                <p:cTn id="30" presetID="9" presetClass="entr" presetSubtype="0" fill="hold" grpId="0" nodeType="clickEffect">
+                                  <p:stCondLst>
+                                    <p:cond delay="0"/>
+                                  </p:stCondLst>
+                                  <p:childTnLst>
+                                    <p:set>
+                                      <p:cBhvr>
+                                        <p:cTn id="31" dur="1" fill="hold">
+                                          <p:stCondLst>
+                                            <p:cond delay="0"/>
+                                          </p:stCondLst>
+                                        </p:cTn>
+                                        <p:tgtEl>
+                                          <p:spTgt spid="3">
+                                            <p:txEl>
+                                              <p:pRg st="5" end="5"/>
+                                            </p:txEl>
+                                          </p:spTgt>
+                                        </p:tgtEl>
+                                        <p:attrNameLst>
+                                          <p:attrName>style.visibility</p:attrName>
+                                        </p:attrNameLst>
+                                      </p:cBhvr>
+                                      <p:to>
+                                        <p:strVal val="visible"/>
+                                      </p:to>
+                                    </p:set>
+                                    <p:animEffect transition="in" filter="dissolve">
+                                      <p:cBhvr>
+                                        <p:cTn id="32" dur="500"/>
+                                        <p:tgtEl>
+                                          <p:spTgt spid="3">
+                                            <p:txEl>
+                                              <p:pRg st="5" end="5"/>
+                                            </p:txEl>
+                                          </p:spTgt>
+                                        </p:tgtEl>
+                                      </p:cBhvr>
+                                    </p:animEffect>
+                                  </p:childTnLst>
+                                </p:cTn>
+                              </p:par>
+                            </p:childTnLst>
+                          </p:cTn>
+                        </p:par>
+                      </p:childTnLst>
+                    </p:cTn>
+                  </p:par>
+                  <p:par>
+                    <p:cTn id="33" fill="hold">
+                      <p:stCondLst>
+                        <p:cond delay="indefinite"/>
+                      </p:stCondLst>
+                      <p:childTnLst>
+                        <p:par>
+                          <p:cTn id="34" fill="hold">
+                            <p:stCondLst>
+                              <p:cond delay="0"/>
+                            </p:stCondLst>
+                            <p:childTnLst>
+                              <p:par>
+                                <p:cTn id="35" presetID="9" presetClass="entr" presetSubtype="0" fill="hold" grpId="0" nodeType="clickEffect">
+                                  <p:stCondLst>
+                                    <p:cond delay="0"/>
+                                  </p:stCondLst>
+                                  <p:childTnLst>
+                                    <p:set>
+                                      <p:cBhvr>
+                                        <p:cTn id="36" dur="1" fill="hold">
+                                          <p:stCondLst>
+                                            <p:cond delay="0"/>
+                                          </p:stCondLst>
+                                        </p:cTn>
+                                        <p:tgtEl>
+                                          <p:spTgt spid="3">
+                                            <p:txEl>
+                                              <p:pRg st="6" end="6"/>
+                                            </p:txEl>
+                                          </p:spTgt>
+                                        </p:tgtEl>
+                                        <p:attrNameLst>
+                                          <p:attrName>style.visibility</p:attrName>
+                                        </p:attrNameLst>
+                                      </p:cBhvr>
+                                      <p:to>
+                                        <p:strVal val="visible"/>
+                                      </p:to>
+                                    </p:set>
+                                    <p:animEffect transition="in" filter="dissolve">
+                                      <p:cBhvr>
+                                        <p:cTn id="37" dur="500"/>
+                                        <p:tgtEl>
+                                          <p:spTgt spid="3">
+                                            <p:txEl>
+                                              <p:pRg st="6" end="6"/>
+                                            </p:txEl>
+                                          </p:spTgt>
+                                        </p:tgtEl>
+                                      </p:cBhvr>
+                                    </p:animEffect>
+                                  </p:childTnLst>
+                                </p:cTn>
+                              </p:par>
+                            </p:childTnLst>
+                          </p:cTn>
+                        </p:par>
+                      </p:childTnLst>
+                    </p:cTn>
+                  </p:par>
+                  <p:par>
+                    <p:cTn id="38" fill="hold">
+                      <p:stCondLst>
+                        <p:cond delay="indefinite"/>
+                      </p:stCondLst>
+                      <p:childTnLst>
+                        <p:par>
+                          <p:cTn id="39" fill="hold">
+                            <p:stCondLst>
+                              <p:cond delay="0"/>
+                            </p:stCondLst>
+                            <p:childTnLst>
+                              <p:par>
+                                <p:cTn id="40" presetID="9" presetClass="entr" presetSubtype="0" fill="hold" grpId="0" nodeType="clickEffect">
+                                  <p:stCondLst>
+                                    <p:cond delay="0"/>
+                                  </p:stCondLst>
+                                  <p:childTnLst>
+                                    <p:set>
+                                      <p:cBhvr>
+                                        <p:cTn id="41" dur="1" fill="hold">
+                                          <p:stCondLst>
+                                            <p:cond delay="0"/>
+                                          </p:stCondLst>
+                                        </p:cTn>
+                                        <p:tgtEl>
+                                          <p:spTgt spid="3">
+                                            <p:txEl>
+                                              <p:pRg st="7" end="7"/>
+                                            </p:txEl>
+                                          </p:spTgt>
+                                        </p:tgtEl>
+                                        <p:attrNameLst>
+                                          <p:attrName>style.visibility</p:attrName>
+                                        </p:attrNameLst>
+                                      </p:cBhvr>
+                                      <p:to>
+                                        <p:strVal val="visible"/>
+                                      </p:to>
+                                    </p:set>
+                                    <p:animEffect transition="in" filter="dissolve">
+                                      <p:cBhvr>
+                                        <p:cTn id="42" dur="500"/>
+                                        <p:tgtEl>
+                                          <p:spTgt spid="3">
+                                            <p:txEl>
+                                              <p:pRg st="7" end="7"/>
+                                            </p:txEl>
+                                          </p:spTgt>
+                                        </p:tgtEl>
+                                      </p:cBhvr>
+                                    </p:animEffect>
+                                  </p:childTnLst>
+                                </p:cTn>
+                              </p:par>
+                            </p:childTnLst>
+                          </p:cTn>
+                        </p:par>
+                      </p:childTnLst>
+                    </p:cTn>
+                  </p:par>
+                  <p:par>
+                    <p:cTn id="43" fill="hold">
+                      <p:stCondLst>
+                        <p:cond delay="indefinite"/>
+                      </p:stCondLst>
+                      <p:childTnLst>
+                        <p:par>
+                          <p:cTn id="44" fill="hold">
+                            <p:stCondLst>
+                              <p:cond delay="0"/>
+                            </p:stCondLst>
+                            <p:childTnLst>
+                              <p:par>
+                                <p:cTn id="45" presetID="9" presetClass="entr" presetSubtype="0" fill="hold" grpId="0" nodeType="clickEffect">
+                                  <p:stCondLst>
+                                    <p:cond delay="0"/>
+                                  </p:stCondLst>
+                                  <p:childTnLst>
+                                    <p:set>
+                                      <p:cBhvr>
+                                        <p:cTn id="46" dur="1" fill="hold">
+                                          <p:stCondLst>
+                                            <p:cond delay="0"/>
+                                          </p:stCondLst>
+                                        </p:cTn>
+                                        <p:tgtEl>
+                                          <p:spTgt spid="3">
+                                            <p:txEl>
+                                              <p:pRg st="8" end="8"/>
+                                            </p:txEl>
+                                          </p:spTgt>
+                                        </p:tgtEl>
+                                        <p:attrNameLst>
+                                          <p:attrName>style.visibility</p:attrName>
+                                        </p:attrNameLst>
+                                      </p:cBhvr>
+                                      <p:to>
+                                        <p:strVal val="visible"/>
+                                      </p:to>
+                                    </p:set>
+                                    <p:animEffect transition="in" filter="dissolve">
+                                      <p:cBhvr>
+                                        <p:cTn id="47" dur="500"/>
+                                        <p:tgtEl>
+                                          <p:spTgt spid="3">
+                                            <p:txEl>
+                                              <p:pRg st="8" end="8"/>
+                                            </p:txEl>
+                                          </p:spTgt>
+                                        </p:tgtEl>
+                                      </p:cBhvr>
+                                    </p:animEffect>
+                                  </p:childTnLst>
+                                </p:cTn>
+                              </p:par>
+                            </p:childTnLst>
+                          </p:cTn>
+                        </p:par>
+                      </p:childTnLst>
+                    </p:cTn>
+                  </p:par>
+                  <p:par>
+                    <p:cTn id="48" fill="hold">
+                      <p:stCondLst>
+                        <p:cond delay="indefinite"/>
+                      </p:stCondLst>
+                      <p:childTnLst>
+                        <p:par>
+                          <p:cTn id="49" fill="hold">
+                            <p:stCondLst>
+                              <p:cond delay="0"/>
+                            </p:stCondLst>
+                            <p:childTnLst>
+                              <p:par>
+                                <p:cTn id="50" presetID="9" presetClass="entr" presetSubtype="0" fill="hold" grpId="0" nodeType="clickEffect">
+                                  <p:stCondLst>
+                                    <p:cond delay="0"/>
+                                  </p:stCondLst>
+                                  <p:childTnLst>
+                                    <p:set>
+                                      <p:cBhvr>
+                                        <p:cTn id="51" dur="1" fill="hold">
+                                          <p:stCondLst>
+                                            <p:cond delay="0"/>
+                                          </p:stCondLst>
+                                        </p:cTn>
+                                        <p:tgtEl>
+                                          <p:spTgt spid="3">
+                                            <p:txEl>
+                                              <p:pRg st="9" end="9"/>
+                                            </p:txEl>
+                                          </p:spTgt>
+                                        </p:tgtEl>
+                                        <p:attrNameLst>
+                                          <p:attrName>style.visibility</p:attrName>
+                                        </p:attrNameLst>
+                                      </p:cBhvr>
+                                      <p:to>
+                                        <p:strVal val="visible"/>
+                                      </p:to>
+                                    </p:set>
+                                    <p:animEffect transition="in" filter="dissolve">
+                                      <p:cBhvr>
+                                        <p:cTn id="52" dur="500"/>
+                                        <p:tgtEl>
+                                          <p:spTgt spid="3">
+                                            <p:txEl>
+                                              <p:pRg st="9" end="9"/>
+                                            </p:txEl>
+                                          </p:spTgt>
+                                        </p:tgtEl>
+                                      </p:cBhvr>
+                                    </p:animEffect>
+                                  </p:childTnLst>
+                                </p:cTn>
+                              </p:par>
+                            </p:childTnLst>
+                          </p:cTn>
+                        </p:par>
+                      </p:childTnLst>
+                    </p:cTn>
+                  </p:par>
+                </p:childTnLst>
+              </p:cTn>
+              <p:prevCondLst>
+                <p:cond evt="onPrev" delay="0">
+                  <p:tgtEl>
+                    <p:sldTgt/>
+                  </p:tgtEl>
+                </p:cond>
+              </p:prevCondLst>
+              <p:nextCondLst>
+                <p:cond evt="onNext" delay="0">
+                  <p:tgtEl>
+                    <p:sldTgt/>
+                  </p:tgtEl>
+                </p:cond>
+              </p:nextCondLst>
+            </p:seq>
+          </p:childTnLst>
+        </p:cTn>
+      </p:par>
+    </p:tnLst>
+    <p:bldLst>
+      <p:bldP spid="3" grpId="0" build="p" bldLvl="2"/>
+    </p:bldLst>
+  </p:timing>
 </p:sld>
 </file>
 
